--- a/Training/บทที่ 7 การสร้างหลอดไฟด้วย Panel.pptx
+++ b/Training/บทที่ 7 การสร้างหลอดไฟด้วย Panel.pptx
@@ -5,16 +5,17 @@
     <p:sldMasterId id="2147483929" r:id="rId1"/>
   </p:sldMasterIdLst>
   <p:notesMasterIdLst>
-    <p:notesMasterId r:id="rId6"/>
+    <p:notesMasterId r:id="rId7"/>
   </p:notesMasterIdLst>
   <p:handoutMasterIdLst>
-    <p:handoutMasterId r:id="rId7"/>
+    <p:handoutMasterId r:id="rId8"/>
   </p:handoutMasterIdLst>
   <p:sldIdLst>
     <p:sldId id="256" r:id="rId2"/>
     <p:sldId id="268" r:id="rId3"/>
     <p:sldId id="270" r:id="rId4"/>
-    <p:sldId id="267" r:id="rId5"/>
+    <p:sldId id="271" r:id="rId5"/>
+    <p:sldId id="267" r:id="rId6"/>
   </p:sldIdLst>
   <p:sldSz cx="12192000" cy="6858000"/>
   <p:notesSz cx="6858000" cy="9144000"/>
@@ -218,7 +219,7 @@
           <a:p>
             <a:fld id="{06C17036-57F0-4033-878B-2A84741E291F}" type="datetimeFigureOut">
               <a:rPr lang="en-US" smtClean="0"/>
-              <a:t>12/12/2023</a:t>
+              <a:t>12/17/2023</a:t>
             </a:fld>
             <a:endParaRPr lang="en-US"/>
           </a:p>
@@ -395,7 +396,7 @@
           <a:p>
             <a:fld id="{B7250401-2409-4A51-A751-C814B6470FB6}" type="datetimeFigureOut">
               <a:rPr lang="en-US" smtClean="0"/>
-              <a:t>12/12/2023</a:t>
+              <a:t>12/17/2023</a:t>
             </a:fld>
             <a:endParaRPr lang="en-US"/>
           </a:p>
@@ -817,7 +818,7 @@
           <a:p>
             <a:fld id="{3F6AD41E-8961-455E-BE3D-52DCFD182BCA}" type="datetime1">
               <a:rPr lang="en-US" smtClean="0"/>
-              <a:t>12/12/2023</a:t>
+              <a:t>12/17/2023</a:t>
             </a:fld>
             <a:endParaRPr lang="en-US"/>
           </a:p>
@@ -1015,7 +1016,7 @@
           <a:p>
             <a:fld id="{837AD7CF-C4A7-47BC-8CA0-A2423BD6B414}" type="datetime1">
               <a:rPr lang="en-US" smtClean="0"/>
-              <a:t>12/12/2023</a:t>
+              <a:t>12/17/2023</a:t>
             </a:fld>
             <a:endParaRPr lang="en-US"/>
           </a:p>
@@ -1223,7 +1224,7 @@
           <a:p>
             <a:fld id="{66FCB7ED-9AA1-4792-8B84-4E6B933EF180}" type="datetime1">
               <a:rPr lang="en-US" smtClean="0"/>
-              <a:t>12/12/2023</a:t>
+              <a:t>12/17/2023</a:t>
             </a:fld>
             <a:endParaRPr lang="en-US"/>
           </a:p>
@@ -1421,7 +1422,7 @@
           <a:p>
             <a:fld id="{437F2F41-2D04-40FF-B725-8597E0E2AF28}" type="datetime1">
               <a:rPr lang="en-US" smtClean="0"/>
-              <a:t>12/12/2023</a:t>
+              <a:t>12/17/2023</a:t>
             </a:fld>
             <a:endParaRPr lang="en-US"/>
           </a:p>
@@ -1696,7 +1697,7 @@
           <a:p>
             <a:fld id="{CE09906A-C844-4743-B9CD-73C2EEC07552}" type="datetime1">
               <a:rPr lang="en-US" smtClean="0"/>
-              <a:t>12/12/2023</a:t>
+              <a:t>12/17/2023</a:t>
             </a:fld>
             <a:endParaRPr lang="en-US"/>
           </a:p>
@@ -1961,7 +1962,7 @@
           <a:p>
             <a:fld id="{00CE04E3-7771-46FC-A485-5D5B60EDE7C4}" type="datetime1">
               <a:rPr lang="en-US" smtClean="0"/>
-              <a:t>12/12/2023</a:t>
+              <a:t>12/17/2023</a:t>
             </a:fld>
             <a:endParaRPr lang="en-US"/>
           </a:p>
@@ -2373,7 +2374,7 @@
           <a:p>
             <a:fld id="{AAD7B7EB-A95B-4C9B-B5CA-832534FE81AF}" type="datetime1">
               <a:rPr lang="en-US" smtClean="0"/>
-              <a:t>12/12/2023</a:t>
+              <a:t>12/17/2023</a:t>
             </a:fld>
             <a:endParaRPr lang="en-US"/>
           </a:p>
@@ -2576,7 +2577,7 @@
           <a:p>
             <a:fld id="{D2E7307F-0EB1-4E56-82DB-1BD3F33DAE22}" type="datetime1">
               <a:rPr lang="en-US" smtClean="0"/>
-              <a:t>12/12/2023</a:t>
+              <a:t>12/17/2023</a:t>
             </a:fld>
             <a:endParaRPr lang="en-US"/>
           </a:p>
@@ -2689,7 +2690,7 @@
           <a:p>
             <a:fld id="{0B135347-3E15-4228-ACD1-FA410F03C88A}" type="datetime1">
               <a:rPr lang="en-US" smtClean="0"/>
-              <a:t>12/12/2023</a:t>
+              <a:t>12/17/2023</a:t>
             </a:fld>
             <a:endParaRPr lang="en-US"/>
           </a:p>
@@ -3000,7 +3001,7 @@
           <a:p>
             <a:fld id="{8FC84112-A496-4654-828C-C3F1F14531A1}" type="datetime1">
               <a:rPr lang="en-US" smtClean="0"/>
-              <a:t>12/12/2023</a:t>
+              <a:t>12/17/2023</a:t>
             </a:fld>
             <a:endParaRPr lang="en-US"/>
           </a:p>
@@ -3288,7 +3289,7 @@
           <a:p>
             <a:fld id="{7F1F06F9-3F6B-430D-AD7B-9113A06E2545}" type="datetime1">
               <a:rPr lang="en-US" smtClean="0"/>
-              <a:t>12/12/2023</a:t>
+              <a:t>12/17/2023</a:t>
             </a:fld>
             <a:endParaRPr lang="en-US"/>
           </a:p>
@@ -4539,7 +4540,7 @@
           <a:p>
             <a:fld id="{292BCB8D-29B8-4E35-9093-2F363A120E10}" type="datetime1">
               <a:rPr lang="en-US" smtClean="0"/>
-              <a:t>12/12/2023</a:t>
+              <a:t>12/17/2023</a:t>
             </a:fld>
             <a:endParaRPr lang="en-US"/>
           </a:p>
@@ -6282,6 +6283,949 @@
           <a:chExt cx="0" cy="0"/>
         </a:xfrm>
       </p:grpSpPr>
+      <p:sp>
+        <p:nvSpPr>
+          <p:cNvPr id="2" name="Title 1">
+            <a:extLst>
+              <a:ext uri="{FF2B5EF4-FFF2-40B4-BE49-F238E27FC236}">
+                <a16:creationId xmlns:a16="http://schemas.microsoft.com/office/drawing/2014/main" id="{7B0D852F-6ED1-09CA-B69E-EFD208FB5D01}"/>
+              </a:ext>
+            </a:extLst>
+          </p:cNvPr>
+          <p:cNvSpPr>
+            <a:spLocks noGrp="1"/>
+          </p:cNvSpPr>
+          <p:nvPr>
+            <p:ph type="title"/>
+          </p:nvPr>
+        </p:nvSpPr>
+        <p:spPr/>
+        <p:txBody>
+          <a:bodyPr/>
+          <a:lstStyle/>
+          <a:p>
+            <a:r>
+              <a:rPr lang="th-TH" dirty="0"/>
+              <a:t>มินิโปรเจค จอบอกสถานะห้องน้ำ</a:t>
+            </a:r>
+            <a:endParaRPr lang="en-US" dirty="0"/>
+          </a:p>
+        </p:txBody>
+      </p:sp>
+      <p:sp>
+        <p:nvSpPr>
+          <p:cNvPr id="3" name="Slide Number Placeholder 2">
+            <a:extLst>
+              <a:ext uri="{FF2B5EF4-FFF2-40B4-BE49-F238E27FC236}">
+                <a16:creationId xmlns:a16="http://schemas.microsoft.com/office/drawing/2014/main" id="{C0956D08-AD29-6600-839B-418A57338848}"/>
+              </a:ext>
+            </a:extLst>
+          </p:cNvPr>
+          <p:cNvSpPr>
+            <a:spLocks noGrp="1"/>
+          </p:cNvSpPr>
+          <p:nvPr>
+            <p:ph type="sldNum" sz="quarter" idx="12"/>
+          </p:nvPr>
+        </p:nvSpPr>
+        <p:spPr/>
+        <p:txBody>
+          <a:bodyPr/>
+          <a:lstStyle/>
+          <a:p>
+            <a:fld id="{93FD5F73-0A7F-43DF-92DF-1CB70364DBBD}" type="slidenum">
+              <a:rPr lang="en-US" smtClean="0"/>
+              <a:t>4</a:t>
+            </a:fld>
+            <a:endParaRPr lang="en-US"/>
+          </a:p>
+        </p:txBody>
+      </p:sp>
+      <p:sp>
+        <p:nvSpPr>
+          <p:cNvPr id="4" name="Rectangle: Rounded Corners 3">
+            <a:extLst>
+              <a:ext uri="{FF2B5EF4-FFF2-40B4-BE49-F238E27FC236}">
+                <a16:creationId xmlns:a16="http://schemas.microsoft.com/office/drawing/2014/main" id="{ECEE119E-C3E0-2867-08AF-BB3BF7635935}"/>
+              </a:ext>
+            </a:extLst>
+          </p:cNvPr>
+          <p:cNvSpPr/>
+          <p:nvPr/>
+        </p:nvSpPr>
+        <p:spPr>
+          <a:xfrm>
+            <a:off x="3086849" y="2099388"/>
+            <a:ext cx="4795934" cy="2995127"/>
+          </a:xfrm>
+          <a:prstGeom prst="roundRect">
+            <a:avLst>
+              <a:gd name="adj" fmla="val 0"/>
+            </a:avLst>
+          </a:prstGeom>
+          <a:solidFill>
+            <a:schemeClr val="bg1">
+              <a:lumMod val="95000"/>
+            </a:schemeClr>
+          </a:solidFill>
+          <a:ln w="28575"/>
+          <a:effectLst>
+            <a:outerShdw blurRad="50800" dist="38100" dir="2700000" algn="tl" rotWithShape="0">
+              <a:prstClr val="black">
+                <a:alpha val="40000"/>
+              </a:prstClr>
+            </a:outerShdw>
+          </a:effectLst>
+        </p:spPr>
+        <p:style>
+          <a:lnRef idx="2">
+            <a:schemeClr val="accent1">
+              <a:shade val="15000"/>
+            </a:schemeClr>
+          </a:lnRef>
+          <a:fillRef idx="1">
+            <a:schemeClr val="accent1"/>
+          </a:fillRef>
+          <a:effectRef idx="0">
+            <a:schemeClr val="accent1"/>
+          </a:effectRef>
+          <a:fontRef idx="minor">
+            <a:schemeClr val="lt1"/>
+          </a:fontRef>
+        </p:style>
+        <p:txBody>
+          <a:bodyPr rtlCol="0" anchor="ctr"/>
+          <a:lstStyle/>
+          <a:p>
+            <a:pPr algn="ctr"/>
+            <a:endParaRPr lang="en-US"/>
+          </a:p>
+        </p:txBody>
+      </p:sp>
+      <p:sp>
+        <p:nvSpPr>
+          <p:cNvPr id="5" name="Oval 4">
+            <a:extLst>
+              <a:ext uri="{FF2B5EF4-FFF2-40B4-BE49-F238E27FC236}">
+                <a16:creationId xmlns:a16="http://schemas.microsoft.com/office/drawing/2014/main" id="{437BF59A-F227-763D-E5A1-66FA5880B3E8}"/>
+              </a:ext>
+            </a:extLst>
+          </p:cNvPr>
+          <p:cNvSpPr/>
+          <p:nvPr/>
+        </p:nvSpPr>
+        <p:spPr>
+          <a:xfrm>
+            <a:off x="3993502" y="2388636"/>
+            <a:ext cx="821094" cy="821094"/>
+          </a:xfrm>
+          <a:prstGeom prst="ellipse">
+            <a:avLst/>
+          </a:prstGeom>
+          <a:solidFill>
+            <a:srgbClr val="FF0000"/>
+          </a:solidFill>
+          <a:ln w="28575">
+            <a:solidFill>
+              <a:schemeClr val="tx1"/>
+            </a:solidFill>
+          </a:ln>
+        </p:spPr>
+        <p:style>
+          <a:lnRef idx="2">
+            <a:schemeClr val="accent1">
+              <a:shade val="15000"/>
+            </a:schemeClr>
+          </a:lnRef>
+          <a:fillRef idx="1">
+            <a:schemeClr val="accent1"/>
+          </a:fillRef>
+          <a:effectRef idx="0">
+            <a:schemeClr val="accent1"/>
+          </a:effectRef>
+          <a:fontRef idx="minor">
+            <a:schemeClr val="lt1"/>
+          </a:fontRef>
+        </p:style>
+        <p:txBody>
+          <a:bodyPr rtlCol="0" anchor="ctr"/>
+          <a:lstStyle/>
+          <a:p>
+            <a:pPr algn="ctr"/>
+            <a:endParaRPr lang="en-US"/>
+          </a:p>
+        </p:txBody>
+      </p:sp>
+      <p:sp>
+        <p:nvSpPr>
+          <p:cNvPr id="6" name="Oval 5">
+            <a:extLst>
+              <a:ext uri="{FF2B5EF4-FFF2-40B4-BE49-F238E27FC236}">
+                <a16:creationId xmlns:a16="http://schemas.microsoft.com/office/drawing/2014/main" id="{9ED20F48-5517-4A52-E50E-68F4AAFEB833}"/>
+              </a:ext>
+            </a:extLst>
+          </p:cNvPr>
+          <p:cNvSpPr/>
+          <p:nvPr/>
+        </p:nvSpPr>
+        <p:spPr>
+          <a:xfrm>
+            <a:off x="5344862" y="2411963"/>
+            <a:ext cx="821094" cy="821094"/>
+          </a:xfrm>
+          <a:prstGeom prst="ellipse">
+            <a:avLst/>
+          </a:prstGeom>
+          <a:solidFill>
+            <a:srgbClr val="FF0000"/>
+          </a:solidFill>
+          <a:ln w="28575">
+            <a:solidFill>
+              <a:schemeClr val="tx1"/>
+            </a:solidFill>
+          </a:ln>
+        </p:spPr>
+        <p:style>
+          <a:lnRef idx="2">
+            <a:schemeClr val="accent1">
+              <a:shade val="15000"/>
+            </a:schemeClr>
+          </a:lnRef>
+          <a:fillRef idx="1">
+            <a:schemeClr val="accent1"/>
+          </a:fillRef>
+          <a:effectRef idx="0">
+            <a:schemeClr val="accent1"/>
+          </a:effectRef>
+          <a:fontRef idx="minor">
+            <a:schemeClr val="lt1"/>
+          </a:fontRef>
+        </p:style>
+        <p:txBody>
+          <a:bodyPr rtlCol="0" anchor="ctr"/>
+          <a:lstStyle/>
+          <a:p>
+            <a:pPr algn="ctr"/>
+            <a:endParaRPr lang="en-US"/>
+          </a:p>
+        </p:txBody>
+      </p:sp>
+      <p:sp>
+        <p:nvSpPr>
+          <p:cNvPr id="7" name="Oval 6">
+            <a:extLst>
+              <a:ext uri="{FF2B5EF4-FFF2-40B4-BE49-F238E27FC236}">
+                <a16:creationId xmlns:a16="http://schemas.microsoft.com/office/drawing/2014/main" id="{416E4CF4-4F2A-C829-3938-FEA7DF3BDF4A}"/>
+              </a:ext>
+            </a:extLst>
+          </p:cNvPr>
+          <p:cNvSpPr/>
+          <p:nvPr/>
+        </p:nvSpPr>
+        <p:spPr>
+          <a:xfrm>
+            <a:off x="6696222" y="2411963"/>
+            <a:ext cx="821094" cy="821094"/>
+          </a:xfrm>
+          <a:prstGeom prst="ellipse">
+            <a:avLst/>
+          </a:prstGeom>
+          <a:solidFill>
+            <a:srgbClr val="00B050"/>
+          </a:solidFill>
+          <a:ln w="28575">
+            <a:solidFill>
+              <a:schemeClr val="tx1"/>
+            </a:solidFill>
+          </a:ln>
+        </p:spPr>
+        <p:style>
+          <a:lnRef idx="2">
+            <a:schemeClr val="accent1">
+              <a:shade val="15000"/>
+            </a:schemeClr>
+          </a:lnRef>
+          <a:fillRef idx="1">
+            <a:schemeClr val="accent1"/>
+          </a:fillRef>
+          <a:effectRef idx="0">
+            <a:schemeClr val="accent1"/>
+          </a:effectRef>
+          <a:fontRef idx="minor">
+            <a:schemeClr val="lt1"/>
+          </a:fontRef>
+        </p:style>
+        <p:txBody>
+          <a:bodyPr rtlCol="0" anchor="ctr"/>
+          <a:lstStyle/>
+          <a:p>
+            <a:pPr algn="ctr"/>
+            <a:endParaRPr lang="en-US"/>
+          </a:p>
+        </p:txBody>
+      </p:sp>
+      <p:sp>
+        <p:nvSpPr>
+          <p:cNvPr id="8" name="Oval 7">
+            <a:extLst>
+              <a:ext uri="{FF2B5EF4-FFF2-40B4-BE49-F238E27FC236}">
+                <a16:creationId xmlns:a16="http://schemas.microsoft.com/office/drawing/2014/main" id="{93BD7AEB-F6F5-4F99-66EE-5E3DBB920B93}"/>
+              </a:ext>
+            </a:extLst>
+          </p:cNvPr>
+          <p:cNvSpPr/>
+          <p:nvPr/>
+        </p:nvSpPr>
+        <p:spPr>
+          <a:xfrm>
+            <a:off x="3993502" y="3987288"/>
+            <a:ext cx="821094" cy="821094"/>
+          </a:xfrm>
+          <a:prstGeom prst="ellipse">
+            <a:avLst/>
+          </a:prstGeom>
+          <a:solidFill>
+            <a:srgbClr val="00B050"/>
+          </a:solidFill>
+          <a:ln w="28575">
+            <a:solidFill>
+              <a:schemeClr val="tx1"/>
+            </a:solidFill>
+          </a:ln>
+        </p:spPr>
+        <p:style>
+          <a:lnRef idx="2">
+            <a:schemeClr val="accent1">
+              <a:shade val="15000"/>
+            </a:schemeClr>
+          </a:lnRef>
+          <a:fillRef idx="1">
+            <a:schemeClr val="accent1"/>
+          </a:fillRef>
+          <a:effectRef idx="0">
+            <a:schemeClr val="accent1"/>
+          </a:effectRef>
+          <a:fontRef idx="minor">
+            <a:schemeClr val="lt1"/>
+          </a:fontRef>
+        </p:style>
+        <p:txBody>
+          <a:bodyPr rtlCol="0" anchor="ctr"/>
+          <a:lstStyle/>
+          <a:p>
+            <a:pPr algn="ctr"/>
+            <a:endParaRPr lang="en-US"/>
+          </a:p>
+        </p:txBody>
+      </p:sp>
+      <p:sp>
+        <p:nvSpPr>
+          <p:cNvPr id="9" name="Oval 8">
+            <a:extLst>
+              <a:ext uri="{FF2B5EF4-FFF2-40B4-BE49-F238E27FC236}">
+                <a16:creationId xmlns:a16="http://schemas.microsoft.com/office/drawing/2014/main" id="{8BC2A7E3-EB19-8241-C592-0DE60386DEFC}"/>
+              </a:ext>
+            </a:extLst>
+          </p:cNvPr>
+          <p:cNvSpPr/>
+          <p:nvPr/>
+        </p:nvSpPr>
+        <p:spPr>
+          <a:xfrm>
+            <a:off x="5344862" y="4010615"/>
+            <a:ext cx="821094" cy="821094"/>
+          </a:xfrm>
+          <a:prstGeom prst="ellipse">
+            <a:avLst/>
+          </a:prstGeom>
+          <a:solidFill>
+            <a:srgbClr val="FF0000"/>
+          </a:solidFill>
+          <a:ln w="28575">
+            <a:solidFill>
+              <a:schemeClr val="tx1"/>
+            </a:solidFill>
+          </a:ln>
+        </p:spPr>
+        <p:style>
+          <a:lnRef idx="2">
+            <a:schemeClr val="accent1">
+              <a:shade val="15000"/>
+            </a:schemeClr>
+          </a:lnRef>
+          <a:fillRef idx="1">
+            <a:schemeClr val="accent1"/>
+          </a:fillRef>
+          <a:effectRef idx="0">
+            <a:schemeClr val="accent1"/>
+          </a:effectRef>
+          <a:fontRef idx="minor">
+            <a:schemeClr val="lt1"/>
+          </a:fontRef>
+        </p:style>
+        <p:txBody>
+          <a:bodyPr rtlCol="0" anchor="ctr"/>
+          <a:lstStyle/>
+          <a:p>
+            <a:pPr algn="ctr"/>
+            <a:endParaRPr lang="en-US"/>
+          </a:p>
+        </p:txBody>
+      </p:sp>
+      <p:sp>
+        <p:nvSpPr>
+          <p:cNvPr id="10" name="Oval 9">
+            <a:extLst>
+              <a:ext uri="{FF2B5EF4-FFF2-40B4-BE49-F238E27FC236}">
+                <a16:creationId xmlns:a16="http://schemas.microsoft.com/office/drawing/2014/main" id="{DCBBA84B-D483-C54C-AB7A-CB201F181BE7}"/>
+              </a:ext>
+            </a:extLst>
+          </p:cNvPr>
+          <p:cNvSpPr/>
+          <p:nvPr/>
+        </p:nvSpPr>
+        <p:spPr>
+          <a:xfrm>
+            <a:off x="6696222" y="4010615"/>
+            <a:ext cx="821094" cy="821094"/>
+          </a:xfrm>
+          <a:prstGeom prst="ellipse">
+            <a:avLst/>
+          </a:prstGeom>
+          <a:solidFill>
+            <a:srgbClr val="FF0000"/>
+          </a:solidFill>
+          <a:ln w="28575">
+            <a:solidFill>
+              <a:schemeClr val="tx1"/>
+            </a:solidFill>
+          </a:ln>
+        </p:spPr>
+        <p:style>
+          <a:lnRef idx="2">
+            <a:schemeClr val="accent1">
+              <a:shade val="15000"/>
+            </a:schemeClr>
+          </a:lnRef>
+          <a:fillRef idx="1">
+            <a:schemeClr val="accent1"/>
+          </a:fillRef>
+          <a:effectRef idx="0">
+            <a:schemeClr val="accent1"/>
+          </a:effectRef>
+          <a:fontRef idx="minor">
+            <a:schemeClr val="lt1"/>
+          </a:fontRef>
+        </p:style>
+        <p:txBody>
+          <a:bodyPr rtlCol="0" anchor="ctr"/>
+          <a:lstStyle/>
+          <a:p>
+            <a:pPr algn="ctr"/>
+            <a:endParaRPr lang="en-US"/>
+          </a:p>
+        </p:txBody>
+      </p:sp>
+      <p:cxnSp>
+        <p:nvCxnSpPr>
+          <p:cNvPr id="12" name="Straight Connector 11">
+            <a:extLst>
+              <a:ext uri="{FF2B5EF4-FFF2-40B4-BE49-F238E27FC236}">
+                <a16:creationId xmlns:a16="http://schemas.microsoft.com/office/drawing/2014/main" id="{58647FE2-BCAE-A52F-D995-E847762B2F1A}"/>
+              </a:ext>
+            </a:extLst>
+          </p:cNvPr>
+          <p:cNvCxnSpPr>
+            <a:cxnSpLocks/>
+          </p:cNvCxnSpPr>
+          <p:nvPr/>
+        </p:nvCxnSpPr>
+        <p:spPr>
+          <a:xfrm>
+            <a:off x="3797559" y="2099388"/>
+            <a:ext cx="0" cy="1321837"/>
+          </a:xfrm>
+          <a:prstGeom prst="line">
+            <a:avLst/>
+          </a:prstGeom>
+        </p:spPr>
+        <p:style>
+          <a:lnRef idx="1">
+            <a:schemeClr val="accent1"/>
+          </a:lnRef>
+          <a:fillRef idx="0">
+            <a:schemeClr val="accent1"/>
+          </a:fillRef>
+          <a:effectRef idx="0">
+            <a:schemeClr val="accent1"/>
+          </a:effectRef>
+          <a:fontRef idx="minor">
+            <a:schemeClr val="tx1"/>
+          </a:fontRef>
+        </p:style>
+      </p:cxnSp>
+      <p:cxnSp>
+        <p:nvCxnSpPr>
+          <p:cNvPr id="14" name="Straight Connector 13">
+            <a:extLst>
+              <a:ext uri="{FF2B5EF4-FFF2-40B4-BE49-F238E27FC236}">
+                <a16:creationId xmlns:a16="http://schemas.microsoft.com/office/drawing/2014/main" id="{4038FFC8-E323-ACBC-7731-99C5C4AED072}"/>
+              </a:ext>
+            </a:extLst>
+          </p:cNvPr>
+          <p:cNvCxnSpPr>
+            <a:cxnSpLocks/>
+          </p:cNvCxnSpPr>
+          <p:nvPr/>
+        </p:nvCxnSpPr>
+        <p:spPr>
+          <a:xfrm>
+            <a:off x="3797559" y="3421225"/>
+            <a:ext cx="4085224" cy="0"/>
+          </a:xfrm>
+          <a:prstGeom prst="line">
+            <a:avLst/>
+          </a:prstGeom>
+        </p:spPr>
+        <p:style>
+          <a:lnRef idx="1">
+            <a:schemeClr val="accent1"/>
+          </a:lnRef>
+          <a:fillRef idx="0">
+            <a:schemeClr val="accent1"/>
+          </a:fillRef>
+          <a:effectRef idx="0">
+            <a:schemeClr val="accent1"/>
+          </a:effectRef>
+          <a:fontRef idx="minor">
+            <a:schemeClr val="tx1"/>
+          </a:fontRef>
+        </p:style>
+      </p:cxnSp>
+      <p:cxnSp>
+        <p:nvCxnSpPr>
+          <p:cNvPr id="18" name="Straight Connector 17">
+            <a:extLst>
+              <a:ext uri="{FF2B5EF4-FFF2-40B4-BE49-F238E27FC236}">
+                <a16:creationId xmlns:a16="http://schemas.microsoft.com/office/drawing/2014/main" id="{303BD5AE-DF7E-0340-AA83-DC72FF114829}"/>
+              </a:ext>
+            </a:extLst>
+          </p:cNvPr>
+          <p:cNvCxnSpPr>
+            <a:cxnSpLocks/>
+          </p:cNvCxnSpPr>
+          <p:nvPr/>
+        </p:nvCxnSpPr>
+        <p:spPr>
+          <a:xfrm>
+            <a:off x="3797559" y="3760237"/>
+            <a:ext cx="4085224" cy="0"/>
+          </a:xfrm>
+          <a:prstGeom prst="line">
+            <a:avLst/>
+          </a:prstGeom>
+        </p:spPr>
+        <p:style>
+          <a:lnRef idx="1">
+            <a:schemeClr val="accent1"/>
+          </a:lnRef>
+          <a:fillRef idx="0">
+            <a:schemeClr val="accent1"/>
+          </a:fillRef>
+          <a:effectRef idx="0">
+            <a:schemeClr val="accent1"/>
+          </a:effectRef>
+          <a:fontRef idx="minor">
+            <a:schemeClr val="tx1"/>
+          </a:fontRef>
+        </p:style>
+      </p:cxnSp>
+      <p:cxnSp>
+        <p:nvCxnSpPr>
+          <p:cNvPr id="20" name="Straight Connector 19">
+            <a:extLst>
+              <a:ext uri="{FF2B5EF4-FFF2-40B4-BE49-F238E27FC236}">
+                <a16:creationId xmlns:a16="http://schemas.microsoft.com/office/drawing/2014/main" id="{007E3DAA-0271-620D-C7CF-595C18B9381D}"/>
+              </a:ext>
+            </a:extLst>
+          </p:cNvPr>
+          <p:cNvCxnSpPr/>
+          <p:nvPr/>
+        </p:nvCxnSpPr>
+        <p:spPr>
+          <a:xfrm>
+            <a:off x="3797559" y="3760237"/>
+            <a:ext cx="0" cy="1334278"/>
+          </a:xfrm>
+          <a:prstGeom prst="line">
+            <a:avLst/>
+          </a:prstGeom>
+        </p:spPr>
+        <p:style>
+          <a:lnRef idx="1">
+            <a:schemeClr val="accent1"/>
+          </a:lnRef>
+          <a:fillRef idx="0">
+            <a:schemeClr val="accent1"/>
+          </a:fillRef>
+          <a:effectRef idx="0">
+            <a:schemeClr val="accent1"/>
+          </a:effectRef>
+          <a:fontRef idx="minor">
+            <a:schemeClr val="tx1"/>
+          </a:fontRef>
+        </p:style>
+      </p:cxnSp>
+      <p:cxnSp>
+        <p:nvCxnSpPr>
+          <p:cNvPr id="22" name="Straight Connector 21">
+            <a:extLst>
+              <a:ext uri="{FF2B5EF4-FFF2-40B4-BE49-F238E27FC236}">
+                <a16:creationId xmlns:a16="http://schemas.microsoft.com/office/drawing/2014/main" id="{7017C86D-AAE5-E8A9-AD5B-3A06C0FF2FE1}"/>
+              </a:ext>
+            </a:extLst>
+          </p:cNvPr>
+          <p:cNvCxnSpPr/>
+          <p:nvPr/>
+        </p:nvCxnSpPr>
+        <p:spPr>
+          <a:xfrm flipV="1">
+            <a:off x="5047861" y="2099388"/>
+            <a:ext cx="0" cy="1321837"/>
+          </a:xfrm>
+          <a:prstGeom prst="line">
+            <a:avLst/>
+          </a:prstGeom>
+        </p:spPr>
+        <p:style>
+          <a:lnRef idx="1">
+            <a:schemeClr val="accent1"/>
+          </a:lnRef>
+          <a:fillRef idx="0">
+            <a:schemeClr val="accent1"/>
+          </a:fillRef>
+          <a:effectRef idx="0">
+            <a:schemeClr val="accent1"/>
+          </a:effectRef>
+          <a:fontRef idx="minor">
+            <a:schemeClr val="tx1"/>
+          </a:fontRef>
+        </p:style>
+      </p:cxnSp>
+      <p:cxnSp>
+        <p:nvCxnSpPr>
+          <p:cNvPr id="23" name="Straight Connector 22">
+            <a:extLst>
+              <a:ext uri="{FF2B5EF4-FFF2-40B4-BE49-F238E27FC236}">
+                <a16:creationId xmlns:a16="http://schemas.microsoft.com/office/drawing/2014/main" id="{3CD82115-4D01-9AEE-E380-973B632C0755}"/>
+              </a:ext>
+            </a:extLst>
+          </p:cNvPr>
+          <p:cNvCxnSpPr/>
+          <p:nvPr/>
+        </p:nvCxnSpPr>
+        <p:spPr>
+          <a:xfrm flipV="1">
+            <a:off x="6487886" y="2099388"/>
+            <a:ext cx="0" cy="1321837"/>
+          </a:xfrm>
+          <a:prstGeom prst="line">
+            <a:avLst/>
+          </a:prstGeom>
+        </p:spPr>
+        <p:style>
+          <a:lnRef idx="1">
+            <a:schemeClr val="accent1"/>
+          </a:lnRef>
+          <a:fillRef idx="0">
+            <a:schemeClr val="accent1"/>
+          </a:fillRef>
+          <a:effectRef idx="0">
+            <a:schemeClr val="accent1"/>
+          </a:effectRef>
+          <a:fontRef idx="minor">
+            <a:schemeClr val="tx1"/>
+          </a:fontRef>
+        </p:style>
+      </p:cxnSp>
+      <p:cxnSp>
+        <p:nvCxnSpPr>
+          <p:cNvPr id="24" name="Straight Connector 23">
+            <a:extLst>
+              <a:ext uri="{FF2B5EF4-FFF2-40B4-BE49-F238E27FC236}">
+                <a16:creationId xmlns:a16="http://schemas.microsoft.com/office/drawing/2014/main" id="{2278DC9F-A142-7A2E-A16D-A040DD6CB79B}"/>
+              </a:ext>
+            </a:extLst>
+          </p:cNvPr>
+          <p:cNvCxnSpPr/>
+          <p:nvPr/>
+        </p:nvCxnSpPr>
+        <p:spPr>
+          <a:xfrm flipV="1">
+            <a:off x="5047861" y="3772678"/>
+            <a:ext cx="0" cy="1321837"/>
+          </a:xfrm>
+          <a:prstGeom prst="line">
+            <a:avLst/>
+          </a:prstGeom>
+        </p:spPr>
+        <p:style>
+          <a:lnRef idx="1">
+            <a:schemeClr val="accent1"/>
+          </a:lnRef>
+          <a:fillRef idx="0">
+            <a:schemeClr val="accent1"/>
+          </a:fillRef>
+          <a:effectRef idx="0">
+            <a:schemeClr val="accent1"/>
+          </a:effectRef>
+          <a:fontRef idx="minor">
+            <a:schemeClr val="tx1"/>
+          </a:fontRef>
+        </p:style>
+      </p:cxnSp>
+      <p:cxnSp>
+        <p:nvCxnSpPr>
+          <p:cNvPr id="25" name="Straight Connector 24">
+            <a:extLst>
+              <a:ext uri="{FF2B5EF4-FFF2-40B4-BE49-F238E27FC236}">
+                <a16:creationId xmlns:a16="http://schemas.microsoft.com/office/drawing/2014/main" id="{725A0DDF-E1A7-7722-0192-C4B0B44AD53C}"/>
+              </a:ext>
+            </a:extLst>
+          </p:cNvPr>
+          <p:cNvCxnSpPr/>
+          <p:nvPr/>
+        </p:nvCxnSpPr>
+        <p:spPr>
+          <a:xfrm flipV="1">
+            <a:off x="6487886" y="3772678"/>
+            <a:ext cx="0" cy="1321837"/>
+          </a:xfrm>
+          <a:prstGeom prst="line">
+            <a:avLst/>
+          </a:prstGeom>
+        </p:spPr>
+        <p:style>
+          <a:lnRef idx="1">
+            <a:schemeClr val="accent1"/>
+          </a:lnRef>
+          <a:fillRef idx="0">
+            <a:schemeClr val="accent1"/>
+          </a:fillRef>
+          <a:effectRef idx="0">
+            <a:schemeClr val="accent1"/>
+          </a:effectRef>
+          <a:fontRef idx="minor">
+            <a:schemeClr val="tx1"/>
+          </a:fontRef>
+        </p:style>
+      </p:cxnSp>
+      <p:sp>
+        <p:nvSpPr>
+          <p:cNvPr id="28" name="Oval 27">
+            <a:extLst>
+              <a:ext uri="{FF2B5EF4-FFF2-40B4-BE49-F238E27FC236}">
+                <a16:creationId xmlns:a16="http://schemas.microsoft.com/office/drawing/2014/main" id="{36718E9F-E3D0-83B1-BA87-8549D077F075}"/>
+              </a:ext>
+            </a:extLst>
+          </p:cNvPr>
+          <p:cNvSpPr/>
+          <p:nvPr/>
+        </p:nvSpPr>
+        <p:spPr>
+          <a:xfrm>
+            <a:off x="3181739" y="5327781"/>
+            <a:ext cx="223935" cy="223935"/>
+          </a:xfrm>
+          <a:prstGeom prst="ellipse">
+            <a:avLst/>
+          </a:prstGeom>
+          <a:solidFill>
+            <a:srgbClr val="FF0000"/>
+          </a:solidFill>
+          <a:ln>
+            <a:noFill/>
+          </a:ln>
+        </p:spPr>
+        <p:style>
+          <a:lnRef idx="2">
+            <a:schemeClr val="accent1">
+              <a:shade val="15000"/>
+            </a:schemeClr>
+          </a:lnRef>
+          <a:fillRef idx="1">
+            <a:schemeClr val="accent1"/>
+          </a:fillRef>
+          <a:effectRef idx="0">
+            <a:schemeClr val="accent1"/>
+          </a:effectRef>
+          <a:fontRef idx="minor">
+            <a:schemeClr val="lt1"/>
+          </a:fontRef>
+        </p:style>
+        <p:txBody>
+          <a:bodyPr rtlCol="0" anchor="ctr"/>
+          <a:lstStyle/>
+          <a:p>
+            <a:pPr algn="ctr"/>
+            <a:endParaRPr lang="en-US"/>
+          </a:p>
+        </p:txBody>
+      </p:sp>
+      <p:sp>
+        <p:nvSpPr>
+          <p:cNvPr id="29" name="Oval 28">
+            <a:extLst>
+              <a:ext uri="{FF2B5EF4-FFF2-40B4-BE49-F238E27FC236}">
+                <a16:creationId xmlns:a16="http://schemas.microsoft.com/office/drawing/2014/main" id="{EBB3DCBD-B51C-EBF2-079C-DEBD44DE7019}"/>
+              </a:ext>
+            </a:extLst>
+          </p:cNvPr>
+          <p:cNvSpPr/>
+          <p:nvPr/>
+        </p:nvSpPr>
+        <p:spPr>
+          <a:xfrm>
+            <a:off x="4561091" y="5355382"/>
+            <a:ext cx="223935" cy="223935"/>
+          </a:xfrm>
+          <a:prstGeom prst="ellipse">
+            <a:avLst/>
+          </a:prstGeom>
+          <a:solidFill>
+            <a:srgbClr val="00B050"/>
+          </a:solidFill>
+          <a:ln>
+            <a:noFill/>
+          </a:ln>
+        </p:spPr>
+        <p:style>
+          <a:lnRef idx="2">
+            <a:schemeClr val="accent1">
+              <a:shade val="15000"/>
+            </a:schemeClr>
+          </a:lnRef>
+          <a:fillRef idx="1">
+            <a:schemeClr val="accent1"/>
+          </a:fillRef>
+          <a:effectRef idx="0">
+            <a:schemeClr val="accent1"/>
+          </a:effectRef>
+          <a:fontRef idx="minor">
+            <a:schemeClr val="lt1"/>
+          </a:fontRef>
+        </p:style>
+        <p:txBody>
+          <a:bodyPr rtlCol="0" anchor="ctr"/>
+          <a:lstStyle/>
+          <a:p>
+            <a:pPr algn="ctr"/>
+            <a:endParaRPr lang="en-US"/>
+          </a:p>
+        </p:txBody>
+      </p:sp>
+      <p:sp>
+        <p:nvSpPr>
+          <p:cNvPr id="30" name="TextBox 29">
+            <a:extLst>
+              <a:ext uri="{FF2B5EF4-FFF2-40B4-BE49-F238E27FC236}">
+                <a16:creationId xmlns:a16="http://schemas.microsoft.com/office/drawing/2014/main" id="{BA7C86F9-7C7F-19F2-2281-EA5E9B12E746}"/>
+              </a:ext>
+            </a:extLst>
+          </p:cNvPr>
+          <p:cNvSpPr txBox="1"/>
+          <p:nvPr/>
+        </p:nvSpPr>
+        <p:spPr>
+          <a:xfrm>
+            <a:off x="3405674" y="5282683"/>
+            <a:ext cx="1380930" cy="369332"/>
+          </a:xfrm>
+          <a:prstGeom prst="rect">
+            <a:avLst/>
+          </a:prstGeom>
+          <a:noFill/>
+        </p:spPr>
+        <p:txBody>
+          <a:bodyPr wrap="square" rtlCol="0">
+            <a:spAutoFit/>
+          </a:bodyPr>
+          <a:lstStyle/>
+          <a:p>
+            <a:r>
+              <a:rPr lang="th-TH" dirty="0"/>
+              <a:t>ใช้งานอยู่</a:t>
+            </a:r>
+            <a:endParaRPr lang="en-US" dirty="0"/>
+          </a:p>
+        </p:txBody>
+      </p:sp>
+      <p:sp>
+        <p:nvSpPr>
+          <p:cNvPr id="31" name="TextBox 30">
+            <a:extLst>
+              <a:ext uri="{FF2B5EF4-FFF2-40B4-BE49-F238E27FC236}">
+                <a16:creationId xmlns:a16="http://schemas.microsoft.com/office/drawing/2014/main" id="{E94CE43C-5312-4904-9575-2C8B7D15153B}"/>
+              </a:ext>
+            </a:extLst>
+          </p:cNvPr>
+          <p:cNvSpPr txBox="1"/>
+          <p:nvPr/>
+        </p:nvSpPr>
+        <p:spPr>
+          <a:xfrm>
+            <a:off x="4785026" y="5282683"/>
+            <a:ext cx="1380930" cy="369332"/>
+          </a:xfrm>
+          <a:prstGeom prst="rect">
+            <a:avLst/>
+          </a:prstGeom>
+          <a:noFill/>
+        </p:spPr>
+        <p:txBody>
+          <a:bodyPr wrap="square" rtlCol="0">
+            <a:spAutoFit/>
+          </a:bodyPr>
+          <a:lstStyle/>
+          <a:p>
+            <a:r>
+              <a:rPr lang="th-TH" dirty="0"/>
+              <a:t>ห้องว่าง</a:t>
+            </a:r>
+            <a:endParaRPr lang="en-US" dirty="0"/>
+          </a:p>
+        </p:txBody>
+      </p:sp>
+    </p:spTree>
+    <p:extLst>
+      <p:ext uri="{BB962C8B-B14F-4D97-AF65-F5344CB8AC3E}">
+        <p14:creationId xmlns:p14="http://schemas.microsoft.com/office/powerpoint/2010/main" val="2490255672"/>
+      </p:ext>
+    </p:extLst>
+  </p:cSld>
+  <p:clrMapOvr>
+    <a:masterClrMapping/>
+  </p:clrMapOvr>
+</p:sld>
+</file>
+
+<file path=ppt/slides/slide5.xml><?xml version="1.0" encoding="utf-8"?>
+<p:sld xmlns:a="http://schemas.openxmlformats.org/drawingml/2006/main" xmlns:r="http://schemas.openxmlformats.org/officeDocument/2006/relationships" xmlns:p="http://schemas.openxmlformats.org/presentationml/2006/main">
+  <p:cSld>
+    <p:spTree>
+      <p:nvGrpSpPr>
+        <p:cNvPr id="1" name=""/>
+        <p:cNvGrpSpPr/>
+        <p:nvPr/>
+      </p:nvGrpSpPr>
+      <p:grpSpPr>
+        <a:xfrm>
+          <a:off x="0" y="0"/>
+          <a:ext cx="0" cy="0"/>
+          <a:chOff x="0" y="0"/>
+          <a:chExt cx="0" cy="0"/>
+        </a:xfrm>
+      </p:grpSpPr>
       <p:pic>
         <p:nvPicPr>
           <p:cNvPr id="12" name="Picture 11">
@@ -6370,7 +7314,7 @@
           <a:p>
             <a:fld id="{93FD5F73-0A7F-43DF-92DF-1CB70364DBBD}" type="slidenum">
               <a:rPr lang="en-US" smtClean="0"/>
-              <a:t>4</a:t>
+              <a:t>5</a:t>
             </a:fld>
             <a:endParaRPr lang="en-US"/>
           </a:p>
